--- a/deep-reinforcement-learning/p1_navigation/NN.pptx
+++ b/deep-reinforcement-learning/p1_navigation/NN.pptx
@@ -7,6 +7,8 @@
   <p:sldIdLst>
     <p:sldId id="256" r:id="rId2"/>
     <p:sldId id="257" r:id="rId3"/>
+    <p:sldId id="258" r:id="rId4"/>
+    <p:sldId id="259" r:id="rId5"/>
   </p:sldIdLst>
   <p:sldSz cx="12192000" cy="6858000"/>
   <p:notesSz cx="6858000" cy="9144000"/>
@@ -105,7 +107,327 @@
       </a:defRPr>
     </a:lvl9pPr>
   </p:defaultTextStyle>
+  <p:extLst>
+    <p:ext uri="{EFAFB233-063F-42B5-8137-9DF3F51BA10A}">
+      <p15:sldGuideLst xmlns:p15="http://schemas.microsoft.com/office/powerpoint/2012/main"/>
+    </p:ext>
+  </p:extLst>
 </p:presentation>
+</file>
+
+<file path=ppt/revisionInfo.xml><?xml version="1.0" encoding="utf-8"?>
+<p1510:revInfo xmlns:a="http://schemas.openxmlformats.org/drawingml/2006/main" xmlns:r="http://schemas.openxmlformats.org/officeDocument/2006/relationships" xmlns:p1510="http://schemas.microsoft.com/office/powerpoint/2015/10/main">
+  <p1510:revLst>
+    <p1510:client id="{19C848B3-A959-4002-9F46-CEF4CBF8DEDD}" v="10" dt="2021-06-03T20:09:45.036"/>
+  </p1510:revLst>
+</p1510:revInfo>
+</file>
+
+<file path=ppt/changesInfos/changesInfo1.xml><?xml version="1.0" encoding="utf-8"?>
+<pc:chgInfo xmlns:a="http://schemas.openxmlformats.org/drawingml/2006/main" xmlns:r="http://schemas.openxmlformats.org/officeDocument/2006/relationships" xmlns:ac="http://schemas.microsoft.com/office/drawing/2013/main/command" xmlns:pc="http://schemas.microsoft.com/office/powerpoint/2013/main/command">
+  <pc:docChgLst>
+    <pc:chgData name="Bedlow, Pierre" userId="34dbb4e1-e4cc-4e76-97af-6966cb02033c" providerId="ADAL" clId="{19C848B3-A959-4002-9F46-CEF4CBF8DEDD}"/>
+    <pc:docChg chg="undo custSel addSld delSld modSld">
+      <pc:chgData name="Bedlow, Pierre" userId="34dbb4e1-e4cc-4e76-97af-6966cb02033c" providerId="ADAL" clId="{19C848B3-A959-4002-9F46-CEF4CBF8DEDD}" dt="2021-06-03T20:09:54.218" v="183" actId="1076"/>
+      <pc:docMkLst>
+        <pc:docMk/>
+      </pc:docMkLst>
+      <pc:sldChg chg="addSp delSp modSp add mod">
+        <pc:chgData name="Bedlow, Pierre" userId="34dbb4e1-e4cc-4e76-97af-6966cb02033c" providerId="ADAL" clId="{19C848B3-A959-4002-9F46-CEF4CBF8DEDD}" dt="2021-06-03T20:09:54.218" v="183" actId="1076"/>
+        <pc:sldMkLst>
+          <pc:docMk/>
+          <pc:sldMk cId="839763827" sldId="258"/>
+        </pc:sldMkLst>
+        <pc:spChg chg="mod">
+          <ac:chgData name="Bedlow, Pierre" userId="34dbb4e1-e4cc-4e76-97af-6966cb02033c" providerId="ADAL" clId="{19C848B3-A959-4002-9F46-CEF4CBF8DEDD}" dt="2021-06-03T19:58:56.529" v="6" actId="20577"/>
+          <ac:spMkLst>
+            <pc:docMk/>
+            <pc:sldMk cId="839763827" sldId="258"/>
+            <ac:spMk id="4" creationId="{1FDA22F3-0F65-48EF-BAB0-4804764C3188}"/>
+          </ac:spMkLst>
+        </pc:spChg>
+        <pc:spChg chg="mod">
+          <ac:chgData name="Bedlow, Pierre" userId="34dbb4e1-e4cc-4e76-97af-6966cb02033c" providerId="ADAL" clId="{19C848B3-A959-4002-9F46-CEF4CBF8DEDD}" dt="2021-06-03T19:59:07.277" v="11" actId="20577"/>
+          <ac:spMkLst>
+            <pc:docMk/>
+            <pc:sldMk cId="839763827" sldId="258"/>
+            <ac:spMk id="5" creationId="{03995D9A-0934-4BC8-AD40-73F25B2C70A1}"/>
+          </ac:spMkLst>
+        </pc:spChg>
+        <pc:spChg chg="mod">
+          <ac:chgData name="Bedlow, Pierre" userId="34dbb4e1-e4cc-4e76-97af-6966cb02033c" providerId="ADAL" clId="{19C848B3-A959-4002-9F46-CEF4CBF8DEDD}" dt="2021-06-03T19:58:59.821" v="9" actId="20577"/>
+          <ac:spMkLst>
+            <pc:docMk/>
+            <pc:sldMk cId="839763827" sldId="258"/>
+            <ac:spMk id="6" creationId="{A79DF50C-D900-4202-A55E-FA44623E934D}"/>
+          </ac:spMkLst>
+        </pc:spChg>
+        <pc:spChg chg="del">
+          <ac:chgData name="Bedlow, Pierre" userId="34dbb4e1-e4cc-4e76-97af-6966cb02033c" providerId="ADAL" clId="{19C848B3-A959-4002-9F46-CEF4CBF8DEDD}" dt="2021-06-03T20:06:03.476" v="31" actId="478"/>
+          <ac:spMkLst>
+            <pc:docMk/>
+            <pc:sldMk cId="839763827" sldId="258"/>
+            <ac:spMk id="7" creationId="{2EA1DE02-2593-4D32-88D0-3C162FE8C8BB}"/>
+          </ac:spMkLst>
+        </pc:spChg>
+        <pc:spChg chg="mod">
+          <ac:chgData name="Bedlow, Pierre" userId="34dbb4e1-e4cc-4e76-97af-6966cb02033c" providerId="ADAL" clId="{19C848B3-A959-4002-9F46-CEF4CBF8DEDD}" dt="2021-06-03T20:06:11.338" v="60" actId="1037"/>
+          <ac:spMkLst>
+            <pc:docMk/>
+            <pc:sldMk cId="839763827" sldId="258"/>
+            <ac:spMk id="8" creationId="{7B97BD2F-E2F8-4DC3-A377-87BB601B38F4}"/>
+          </ac:spMkLst>
+        </pc:spChg>
+        <pc:spChg chg="mod">
+          <ac:chgData name="Bedlow, Pierre" userId="34dbb4e1-e4cc-4e76-97af-6966cb02033c" providerId="ADAL" clId="{19C848B3-A959-4002-9F46-CEF4CBF8DEDD}" dt="2021-06-03T20:06:11.338" v="60" actId="1037"/>
+          <ac:spMkLst>
+            <pc:docMk/>
+            <pc:sldMk cId="839763827" sldId="258"/>
+            <ac:spMk id="10" creationId="{BDF92160-CE9C-45CC-8A65-1648D04DC0F2}"/>
+          </ac:spMkLst>
+        </pc:spChg>
+        <pc:spChg chg="del">
+          <ac:chgData name="Bedlow, Pierre" userId="34dbb4e1-e4cc-4e76-97af-6966cb02033c" providerId="ADAL" clId="{19C848B3-A959-4002-9F46-CEF4CBF8DEDD}" dt="2021-06-03T20:06:03.476" v="31" actId="478"/>
+          <ac:spMkLst>
+            <pc:docMk/>
+            <pc:sldMk cId="839763827" sldId="258"/>
+            <ac:spMk id="15" creationId="{3D1B39EF-2FD4-446C-ABDE-E2BFC6EC287B}"/>
+          </ac:spMkLst>
+        </pc:spChg>
+        <pc:spChg chg="add mod">
+          <ac:chgData name="Bedlow, Pierre" userId="34dbb4e1-e4cc-4e76-97af-6966cb02033c" providerId="ADAL" clId="{19C848B3-A959-4002-9F46-CEF4CBF8DEDD}" dt="2021-06-03T20:06:11.338" v="60" actId="1037"/>
+          <ac:spMkLst>
+            <pc:docMk/>
+            <pc:sldMk cId="839763827" sldId="258"/>
+            <ac:spMk id="16" creationId="{D2289EBA-647E-4B51-B1A6-403A5CCF3108}"/>
+          </ac:spMkLst>
+        </pc:spChg>
+        <pc:spChg chg="add mod">
+          <ac:chgData name="Bedlow, Pierre" userId="34dbb4e1-e4cc-4e76-97af-6966cb02033c" providerId="ADAL" clId="{19C848B3-A959-4002-9F46-CEF4CBF8DEDD}" dt="2021-06-03T20:09:54.218" v="183" actId="1076"/>
+          <ac:spMkLst>
+            <pc:docMk/>
+            <pc:sldMk cId="839763827" sldId="258"/>
+            <ac:spMk id="18" creationId="{8BA2CD52-2B4F-4CDC-997B-0AAA6067020C}"/>
+          </ac:spMkLst>
+        </pc:spChg>
+        <pc:cxnChg chg="add mod">
+          <ac:chgData name="Bedlow, Pierre" userId="34dbb4e1-e4cc-4e76-97af-6966cb02033c" providerId="ADAL" clId="{19C848B3-A959-4002-9F46-CEF4CBF8DEDD}" dt="2021-06-03T20:09:54.218" v="183" actId="1076"/>
+          <ac:cxnSpMkLst>
+            <pc:docMk/>
+            <pc:sldMk cId="839763827" sldId="258"/>
+            <ac:cxnSpMk id="20" creationId="{053B59E1-0C8E-46F7-95B9-2201C576264C}"/>
+          </ac:cxnSpMkLst>
+        </pc:cxnChg>
+        <pc:cxnChg chg="del mod">
+          <ac:chgData name="Bedlow, Pierre" userId="34dbb4e1-e4cc-4e76-97af-6966cb02033c" providerId="ADAL" clId="{19C848B3-A959-4002-9F46-CEF4CBF8DEDD}" dt="2021-06-03T20:06:03.476" v="31" actId="478"/>
+          <ac:cxnSpMkLst>
+            <pc:docMk/>
+            <pc:sldMk cId="839763827" sldId="258"/>
+            <ac:cxnSpMk id="23" creationId="{9C19B16B-50CA-4BE8-A0DD-A2E028800C98}"/>
+          </ac:cxnSpMkLst>
+        </pc:cxnChg>
+      </pc:sldChg>
+      <pc:sldChg chg="addSp delSp modSp add mod">
+        <pc:chgData name="Bedlow, Pierre" userId="34dbb4e1-e4cc-4e76-97af-6966cb02033c" providerId="ADAL" clId="{19C848B3-A959-4002-9F46-CEF4CBF8DEDD}" dt="2021-06-03T20:09:37.287" v="171" actId="20577"/>
+        <pc:sldMkLst>
+          <pc:docMk/>
+          <pc:sldMk cId="3597589706" sldId="259"/>
+        </pc:sldMkLst>
+        <pc:spChg chg="add mod">
+          <ac:chgData name="Bedlow, Pierre" userId="34dbb4e1-e4cc-4e76-97af-6966cb02033c" providerId="ADAL" clId="{19C848B3-A959-4002-9F46-CEF4CBF8DEDD}" dt="2021-06-03T20:08:25.633" v="150" actId="1036"/>
+          <ac:spMkLst>
+            <pc:docMk/>
+            <pc:sldMk cId="3597589706" sldId="259"/>
+            <ac:spMk id="2" creationId="{D43A88BD-5D4E-4942-858B-6C8407E64FB6}"/>
+          </ac:spMkLst>
+        </pc:spChg>
+        <pc:spChg chg="mod">
+          <ac:chgData name="Bedlow, Pierre" userId="34dbb4e1-e4cc-4e76-97af-6966cb02033c" providerId="ADAL" clId="{19C848B3-A959-4002-9F46-CEF4CBF8DEDD}" dt="2021-06-03T20:08:25.633" v="150" actId="1036"/>
+          <ac:spMkLst>
+            <pc:docMk/>
+            <pc:sldMk cId="3597589706" sldId="259"/>
+            <ac:spMk id="4" creationId="{1FDA22F3-0F65-48EF-BAB0-4804764C3188}"/>
+          </ac:spMkLst>
+        </pc:spChg>
+        <pc:spChg chg="mod">
+          <ac:chgData name="Bedlow, Pierre" userId="34dbb4e1-e4cc-4e76-97af-6966cb02033c" providerId="ADAL" clId="{19C848B3-A959-4002-9F46-CEF4CBF8DEDD}" dt="2021-06-03T20:08:25.633" v="150" actId="1036"/>
+          <ac:spMkLst>
+            <pc:docMk/>
+            <pc:sldMk cId="3597589706" sldId="259"/>
+            <ac:spMk id="5" creationId="{03995D9A-0934-4BC8-AD40-73F25B2C70A1}"/>
+          </ac:spMkLst>
+        </pc:spChg>
+        <pc:spChg chg="mod">
+          <ac:chgData name="Bedlow, Pierre" userId="34dbb4e1-e4cc-4e76-97af-6966cb02033c" providerId="ADAL" clId="{19C848B3-A959-4002-9F46-CEF4CBF8DEDD}" dt="2021-06-03T20:07:43.920" v="117" actId="1038"/>
+          <ac:spMkLst>
+            <pc:docMk/>
+            <pc:sldMk cId="3597589706" sldId="259"/>
+            <ac:spMk id="6" creationId="{A79DF50C-D900-4202-A55E-FA44623E934D}"/>
+          </ac:spMkLst>
+        </pc:spChg>
+        <pc:spChg chg="del">
+          <ac:chgData name="Bedlow, Pierre" userId="34dbb4e1-e4cc-4e76-97af-6966cb02033c" providerId="ADAL" clId="{19C848B3-A959-4002-9F46-CEF4CBF8DEDD}" dt="2021-06-03T20:06:22.868" v="62" actId="478"/>
+          <ac:spMkLst>
+            <pc:docMk/>
+            <pc:sldMk cId="3597589706" sldId="259"/>
+            <ac:spMk id="7" creationId="{2EA1DE02-2593-4D32-88D0-3C162FE8C8BB}"/>
+          </ac:spMkLst>
+        </pc:spChg>
+        <pc:spChg chg="mod">
+          <ac:chgData name="Bedlow, Pierre" userId="34dbb4e1-e4cc-4e76-97af-6966cb02033c" providerId="ADAL" clId="{19C848B3-A959-4002-9F46-CEF4CBF8DEDD}" dt="2021-06-03T20:07:43.920" v="117" actId="1038"/>
+          <ac:spMkLst>
+            <pc:docMk/>
+            <pc:sldMk cId="3597589706" sldId="259"/>
+            <ac:spMk id="8" creationId="{7B97BD2F-E2F8-4DC3-A377-87BB601B38F4}"/>
+          </ac:spMkLst>
+        </pc:spChg>
+        <pc:spChg chg="mod">
+          <ac:chgData name="Bedlow, Pierre" userId="34dbb4e1-e4cc-4e76-97af-6966cb02033c" providerId="ADAL" clId="{19C848B3-A959-4002-9F46-CEF4CBF8DEDD}" dt="2021-06-03T20:07:43.920" v="117" actId="1038"/>
+          <ac:spMkLst>
+            <pc:docMk/>
+            <pc:sldMk cId="3597589706" sldId="259"/>
+            <ac:spMk id="10" creationId="{BDF92160-CE9C-45CC-8A65-1648D04DC0F2}"/>
+          </ac:spMkLst>
+        </pc:spChg>
+        <pc:spChg chg="mod">
+          <ac:chgData name="Bedlow, Pierre" userId="34dbb4e1-e4cc-4e76-97af-6966cb02033c" providerId="ADAL" clId="{19C848B3-A959-4002-9F46-CEF4CBF8DEDD}" dt="2021-06-03T20:08:25.633" v="150" actId="1036"/>
+          <ac:spMkLst>
+            <pc:docMk/>
+            <pc:sldMk cId="3597589706" sldId="259"/>
+            <ac:spMk id="12" creationId="{EB5A2D55-EFFC-4FEA-9DC4-36D892C80D33}"/>
+          </ac:spMkLst>
+        </pc:spChg>
+        <pc:spChg chg="mod">
+          <ac:chgData name="Bedlow, Pierre" userId="34dbb4e1-e4cc-4e76-97af-6966cb02033c" providerId="ADAL" clId="{19C848B3-A959-4002-9F46-CEF4CBF8DEDD}" dt="2021-06-03T20:07:43.920" v="117" actId="1038"/>
+          <ac:spMkLst>
+            <pc:docMk/>
+            <pc:sldMk cId="3597589706" sldId="259"/>
+            <ac:spMk id="13" creationId="{4BFD4C26-773F-4DBD-9BD0-7393635E163D}"/>
+          </ac:spMkLst>
+        </pc:spChg>
+        <pc:spChg chg="mod">
+          <ac:chgData name="Bedlow, Pierre" userId="34dbb4e1-e4cc-4e76-97af-6966cb02033c" providerId="ADAL" clId="{19C848B3-A959-4002-9F46-CEF4CBF8DEDD}" dt="2021-06-03T20:07:43.920" v="117" actId="1038"/>
+          <ac:spMkLst>
+            <pc:docMk/>
+            <pc:sldMk cId="3597589706" sldId="259"/>
+            <ac:spMk id="14" creationId="{7103C5D2-0D34-4DFF-AD1B-EF473FB91CB5}"/>
+          </ac:spMkLst>
+        </pc:spChg>
+        <pc:spChg chg="del">
+          <ac:chgData name="Bedlow, Pierre" userId="34dbb4e1-e4cc-4e76-97af-6966cb02033c" providerId="ADAL" clId="{19C848B3-A959-4002-9F46-CEF4CBF8DEDD}" dt="2021-06-03T20:06:22.868" v="62" actId="478"/>
+          <ac:spMkLst>
+            <pc:docMk/>
+            <pc:sldMk cId="3597589706" sldId="259"/>
+            <ac:spMk id="15" creationId="{3D1B39EF-2FD4-446C-ABDE-E2BFC6EC287B}"/>
+          </ac:spMkLst>
+        </pc:spChg>
+        <pc:spChg chg="del">
+          <ac:chgData name="Bedlow, Pierre" userId="34dbb4e1-e4cc-4e76-97af-6966cb02033c" providerId="ADAL" clId="{19C848B3-A959-4002-9F46-CEF4CBF8DEDD}" dt="2021-06-03T20:06:26.747" v="63" actId="478"/>
+          <ac:spMkLst>
+            <pc:docMk/>
+            <pc:sldMk cId="3597589706" sldId="259"/>
+            <ac:spMk id="16" creationId="{D2289EBA-647E-4B51-B1A6-403A5CCF3108}"/>
+          </ac:spMkLst>
+        </pc:spChg>
+        <pc:spChg chg="add mod">
+          <ac:chgData name="Bedlow, Pierre" userId="34dbb4e1-e4cc-4e76-97af-6966cb02033c" providerId="ADAL" clId="{19C848B3-A959-4002-9F46-CEF4CBF8DEDD}" dt="2021-06-03T20:08:25.633" v="150" actId="1036"/>
+          <ac:spMkLst>
+            <pc:docMk/>
+            <pc:sldMk cId="3597589706" sldId="259"/>
+            <ac:spMk id="18" creationId="{FF4EF3E2-352B-4261-9B2C-E28D12AA3F76}"/>
+          </ac:spMkLst>
+        </pc:spChg>
+        <pc:spChg chg="add mod">
+          <ac:chgData name="Bedlow, Pierre" userId="34dbb4e1-e4cc-4e76-97af-6966cb02033c" providerId="ADAL" clId="{19C848B3-A959-4002-9F46-CEF4CBF8DEDD}" dt="2021-06-03T20:08:25.633" v="150" actId="1036"/>
+          <ac:spMkLst>
+            <pc:docMk/>
+            <pc:sldMk cId="3597589706" sldId="259"/>
+            <ac:spMk id="20" creationId="{045A5F65-15C9-486A-A761-E6DBF118CAC1}"/>
+          </ac:spMkLst>
+        </pc:spChg>
+        <pc:spChg chg="add mod">
+          <ac:chgData name="Bedlow, Pierre" userId="34dbb4e1-e4cc-4e76-97af-6966cb02033c" providerId="ADAL" clId="{19C848B3-A959-4002-9F46-CEF4CBF8DEDD}" dt="2021-06-03T20:08:25.633" v="150" actId="1036"/>
+          <ac:spMkLst>
+            <pc:docMk/>
+            <pc:sldMk cId="3597589706" sldId="259"/>
+            <ac:spMk id="22" creationId="{2C99CF54-A66B-4B32-9A55-C987AFBD4C34}"/>
+          </ac:spMkLst>
+        </pc:spChg>
+        <pc:spChg chg="add mod">
+          <ac:chgData name="Bedlow, Pierre" userId="34dbb4e1-e4cc-4e76-97af-6966cb02033c" providerId="ADAL" clId="{19C848B3-A959-4002-9F46-CEF4CBF8DEDD}" dt="2021-06-03T20:09:09.659" v="160" actId="20577"/>
+          <ac:spMkLst>
+            <pc:docMk/>
+            <pc:sldMk cId="3597589706" sldId="259"/>
+            <ac:spMk id="24" creationId="{7BE36B00-8885-4507-BCB4-5AE2A79B86E0}"/>
+          </ac:spMkLst>
+        </pc:spChg>
+        <pc:spChg chg="add mod">
+          <ac:chgData name="Bedlow, Pierre" userId="34dbb4e1-e4cc-4e76-97af-6966cb02033c" providerId="ADAL" clId="{19C848B3-A959-4002-9F46-CEF4CBF8DEDD}" dt="2021-06-03T20:09:37.287" v="171" actId="20577"/>
+          <ac:spMkLst>
+            <pc:docMk/>
+            <pc:sldMk cId="3597589706" sldId="259"/>
+            <ac:spMk id="26" creationId="{04023E43-1197-4611-9F05-D21308E75301}"/>
+          </ac:spMkLst>
+        </pc:spChg>
+        <pc:cxnChg chg="mod">
+          <ac:chgData name="Bedlow, Pierre" userId="34dbb4e1-e4cc-4e76-97af-6966cb02033c" providerId="ADAL" clId="{19C848B3-A959-4002-9F46-CEF4CBF8DEDD}" dt="2021-06-03T20:08:25.633" v="150" actId="1036"/>
+          <ac:cxnSpMkLst>
+            <pc:docMk/>
+            <pc:sldMk cId="3597589706" sldId="259"/>
+            <ac:cxnSpMk id="17" creationId="{F2B4879F-558D-457F-95D4-36FC8446BA5E}"/>
+          </ac:cxnSpMkLst>
+        </pc:cxnChg>
+        <pc:cxnChg chg="mod">
+          <ac:chgData name="Bedlow, Pierre" userId="34dbb4e1-e4cc-4e76-97af-6966cb02033c" providerId="ADAL" clId="{19C848B3-A959-4002-9F46-CEF4CBF8DEDD}" dt="2021-06-03T20:07:43.920" v="117" actId="1038"/>
+          <ac:cxnSpMkLst>
+            <pc:docMk/>
+            <pc:sldMk cId="3597589706" sldId="259"/>
+            <ac:cxnSpMk id="19" creationId="{400A1125-BEC3-44C0-8606-E2657E75A0CC}"/>
+          </ac:cxnSpMkLst>
+        </pc:cxnChg>
+        <pc:cxnChg chg="mod">
+          <ac:chgData name="Bedlow, Pierre" userId="34dbb4e1-e4cc-4e76-97af-6966cb02033c" providerId="ADAL" clId="{19C848B3-A959-4002-9F46-CEF4CBF8DEDD}" dt="2021-06-03T20:07:43.920" v="117" actId="1038"/>
+          <ac:cxnSpMkLst>
+            <pc:docMk/>
+            <pc:sldMk cId="3597589706" sldId="259"/>
+            <ac:cxnSpMk id="21" creationId="{AC915C14-A849-4277-96B3-AC8DA95B9180}"/>
+          </ac:cxnSpMkLst>
+        </pc:cxnChg>
+        <pc:cxnChg chg="del mod">
+          <ac:chgData name="Bedlow, Pierre" userId="34dbb4e1-e4cc-4e76-97af-6966cb02033c" providerId="ADAL" clId="{19C848B3-A959-4002-9F46-CEF4CBF8DEDD}" dt="2021-06-03T20:06:22.868" v="62" actId="478"/>
+          <ac:cxnSpMkLst>
+            <pc:docMk/>
+            <pc:sldMk cId="3597589706" sldId="259"/>
+            <ac:cxnSpMk id="23" creationId="{9C19B16B-50CA-4BE8-A0DD-A2E028800C98}"/>
+          </ac:cxnSpMkLst>
+        </pc:cxnChg>
+        <pc:cxnChg chg="add mod">
+          <ac:chgData name="Bedlow, Pierre" userId="34dbb4e1-e4cc-4e76-97af-6966cb02033c" providerId="ADAL" clId="{19C848B3-A959-4002-9F46-CEF4CBF8DEDD}" dt="2021-06-03T20:09:09.659" v="160" actId="20577"/>
+          <ac:cxnSpMkLst>
+            <pc:docMk/>
+            <pc:sldMk cId="3597589706" sldId="259"/>
+            <ac:cxnSpMk id="25" creationId="{536C5064-DB82-4428-91EA-142A22EA4DD9}"/>
+          </ac:cxnSpMkLst>
+        </pc:cxnChg>
+        <pc:cxnChg chg="add mod">
+          <ac:chgData name="Bedlow, Pierre" userId="34dbb4e1-e4cc-4e76-97af-6966cb02033c" providerId="ADAL" clId="{19C848B3-A959-4002-9F46-CEF4CBF8DEDD}" dt="2021-06-03T20:09:37.287" v="171" actId="20577"/>
+          <ac:cxnSpMkLst>
+            <pc:docMk/>
+            <pc:sldMk cId="3597589706" sldId="259"/>
+            <ac:cxnSpMk id="27" creationId="{FB4F0633-591A-41CD-9BA2-2984A0A7332F}"/>
+          </ac:cxnSpMkLst>
+        </pc:cxnChg>
+      </pc:sldChg>
+      <pc:sldChg chg="add del">
+        <pc:chgData name="Bedlow, Pierre" userId="34dbb4e1-e4cc-4e76-97af-6966cb02033c" providerId="ADAL" clId="{19C848B3-A959-4002-9F46-CEF4CBF8DEDD}" dt="2021-06-03T20:01:58.517" v="13" actId="2696"/>
+        <pc:sldMkLst>
+          <pc:docMk/>
+          <pc:sldMk cId="4222481876" sldId="259"/>
+        </pc:sldMkLst>
+      </pc:sldChg>
+    </pc:docChg>
+  </pc:docChgLst>
+</pc:chgInfo>
 </file>
 
 <file path=ppt/slideLayouts/slideLayout1.xml><?xml version="1.0" encoding="utf-8"?>
@@ -257,7 +579,7 @@
           <a:p>
             <a:fld id="{00F8653D-8110-4805-91E3-66B506D45072}" type="datetimeFigureOut">
               <a:rPr lang="en-GB" smtClean="0"/>
-              <a:t>14/04/2021</a:t>
+              <a:t>03/06/2021</a:t>
             </a:fld>
             <a:endParaRPr lang="en-GB"/>
           </a:p>
@@ -457,7 +779,7 @@
           <a:p>
             <a:fld id="{00F8653D-8110-4805-91E3-66B506D45072}" type="datetimeFigureOut">
               <a:rPr lang="en-GB" smtClean="0"/>
-              <a:t>14/04/2021</a:t>
+              <a:t>03/06/2021</a:t>
             </a:fld>
             <a:endParaRPr lang="en-GB"/>
           </a:p>
@@ -667,7 +989,7 @@
           <a:p>
             <a:fld id="{00F8653D-8110-4805-91E3-66B506D45072}" type="datetimeFigureOut">
               <a:rPr lang="en-GB" smtClean="0"/>
-              <a:t>14/04/2021</a:t>
+              <a:t>03/06/2021</a:t>
             </a:fld>
             <a:endParaRPr lang="en-GB"/>
           </a:p>
@@ -867,7 +1189,7 @@
           <a:p>
             <a:fld id="{00F8653D-8110-4805-91E3-66B506D45072}" type="datetimeFigureOut">
               <a:rPr lang="en-GB" smtClean="0"/>
-              <a:t>14/04/2021</a:t>
+              <a:t>03/06/2021</a:t>
             </a:fld>
             <a:endParaRPr lang="en-GB"/>
           </a:p>
@@ -1143,7 +1465,7 @@
           <a:p>
             <a:fld id="{00F8653D-8110-4805-91E3-66B506D45072}" type="datetimeFigureOut">
               <a:rPr lang="en-GB" smtClean="0"/>
-              <a:t>14/04/2021</a:t>
+              <a:t>03/06/2021</a:t>
             </a:fld>
             <a:endParaRPr lang="en-GB"/>
           </a:p>
@@ -1411,7 +1733,7 @@
           <a:p>
             <a:fld id="{00F8653D-8110-4805-91E3-66B506D45072}" type="datetimeFigureOut">
               <a:rPr lang="en-GB" smtClean="0"/>
-              <a:t>14/04/2021</a:t>
+              <a:t>03/06/2021</a:t>
             </a:fld>
             <a:endParaRPr lang="en-GB"/>
           </a:p>
@@ -1826,7 +2148,7 @@
           <a:p>
             <a:fld id="{00F8653D-8110-4805-91E3-66B506D45072}" type="datetimeFigureOut">
               <a:rPr lang="en-GB" smtClean="0"/>
-              <a:t>14/04/2021</a:t>
+              <a:t>03/06/2021</a:t>
             </a:fld>
             <a:endParaRPr lang="en-GB"/>
           </a:p>
@@ -1968,7 +2290,7 @@
           <a:p>
             <a:fld id="{00F8653D-8110-4805-91E3-66B506D45072}" type="datetimeFigureOut">
               <a:rPr lang="en-GB" smtClean="0"/>
-              <a:t>14/04/2021</a:t>
+              <a:t>03/06/2021</a:t>
             </a:fld>
             <a:endParaRPr lang="en-GB"/>
           </a:p>
@@ -2081,7 +2403,7 @@
           <a:p>
             <a:fld id="{00F8653D-8110-4805-91E3-66B506D45072}" type="datetimeFigureOut">
               <a:rPr lang="en-GB" smtClean="0"/>
-              <a:t>14/04/2021</a:t>
+              <a:t>03/06/2021</a:t>
             </a:fld>
             <a:endParaRPr lang="en-GB"/>
           </a:p>
@@ -2394,7 +2716,7 @@
           <a:p>
             <a:fld id="{00F8653D-8110-4805-91E3-66B506D45072}" type="datetimeFigureOut">
               <a:rPr lang="en-GB" smtClean="0"/>
-              <a:t>14/04/2021</a:t>
+              <a:t>03/06/2021</a:t>
             </a:fld>
             <a:endParaRPr lang="en-GB"/>
           </a:p>
@@ -2683,7 +3005,7 @@
           <a:p>
             <a:fld id="{00F8653D-8110-4805-91E3-66B506D45072}" type="datetimeFigureOut">
               <a:rPr lang="en-GB" smtClean="0"/>
-              <a:t>14/04/2021</a:t>
+              <a:t>03/06/2021</a:t>
             </a:fld>
             <a:endParaRPr lang="en-GB"/>
           </a:p>
@@ -2926,7 +3248,7 @@
           <a:p>
             <a:fld id="{00F8653D-8110-4805-91E3-66B506D45072}" type="datetimeFigureOut">
               <a:rPr lang="en-GB" smtClean="0"/>
-              <a:t>14/04/2021</a:t>
+              <a:t>03/06/2021</a:t>
             </a:fld>
             <a:endParaRPr lang="en-GB"/>
           </a:p>
@@ -5044,6 +5366,1424 @@
 </p:sld>
 </file>
 
+<file path=ppt/slides/slide3.xml><?xml version="1.0" encoding="utf-8"?>
+<p:sld xmlns:a="http://schemas.openxmlformats.org/drawingml/2006/main" xmlns:r="http://schemas.openxmlformats.org/officeDocument/2006/relationships" xmlns:p="http://schemas.openxmlformats.org/presentationml/2006/main">
+  <p:cSld>
+    <p:spTree>
+      <p:nvGrpSpPr>
+        <p:cNvPr id="1" name=""/>
+        <p:cNvGrpSpPr/>
+        <p:nvPr/>
+      </p:nvGrpSpPr>
+      <p:grpSpPr>
+        <a:xfrm>
+          <a:off x="0" y="0"/>
+          <a:ext cx="0" cy="0"/>
+          <a:chOff x="0" y="0"/>
+          <a:chExt cx="0" cy="0"/>
+        </a:xfrm>
+      </p:grpSpPr>
+      <p:sp>
+        <p:nvSpPr>
+          <p:cNvPr id="4" name="Rectangle 3">
+            <a:extLst>
+              <a:ext uri="{FF2B5EF4-FFF2-40B4-BE49-F238E27FC236}">
+                <a16:creationId xmlns:a16="http://schemas.microsoft.com/office/drawing/2014/main" id="{1FDA22F3-0F65-48EF-BAB0-4804764C3188}"/>
+              </a:ext>
+            </a:extLst>
+          </p:cNvPr>
+          <p:cNvSpPr/>
+          <p:nvPr/>
+        </p:nvSpPr>
+        <p:spPr>
+          <a:xfrm>
+            <a:off x="4316820" y="901904"/>
+            <a:ext cx="360000" cy="4608000"/>
+          </a:xfrm>
+          <a:prstGeom prst="rect">
+            <a:avLst/>
+          </a:prstGeom>
+        </p:spPr>
+        <p:style>
+          <a:lnRef idx="2">
+            <a:schemeClr val="accent1">
+              <a:shade val="50000"/>
+            </a:schemeClr>
+          </a:lnRef>
+          <a:fillRef idx="1">
+            <a:schemeClr val="accent1"/>
+          </a:fillRef>
+          <a:effectRef idx="0">
+            <a:schemeClr val="accent1"/>
+          </a:effectRef>
+          <a:fontRef idx="minor">
+            <a:schemeClr val="lt1"/>
+          </a:fontRef>
+        </p:style>
+        <p:txBody>
+          <a:bodyPr vert="vert270" rtlCol="0" anchor="ctr"/>
+          <a:lstStyle/>
+          <a:p>
+            <a:pPr algn="ctr"/>
+            <a:r>
+              <a:rPr lang="en-GB" dirty="0"/>
+              <a:t>256</a:t>
+            </a:r>
+          </a:p>
+        </p:txBody>
+      </p:sp>
+      <p:sp>
+        <p:nvSpPr>
+          <p:cNvPr id="5" name="Rectangle 4">
+            <a:extLst>
+              <a:ext uri="{FF2B5EF4-FFF2-40B4-BE49-F238E27FC236}">
+                <a16:creationId xmlns:a16="http://schemas.microsoft.com/office/drawing/2014/main" id="{03995D9A-0934-4BC8-AD40-73F25B2C70A1}"/>
+              </a:ext>
+            </a:extLst>
+          </p:cNvPr>
+          <p:cNvSpPr/>
+          <p:nvPr/>
+        </p:nvSpPr>
+        <p:spPr>
+          <a:xfrm>
+            <a:off x="3171362" y="2539904"/>
+            <a:ext cx="360000" cy="1332000"/>
+          </a:xfrm>
+          <a:prstGeom prst="rect">
+            <a:avLst/>
+          </a:prstGeom>
+        </p:spPr>
+        <p:style>
+          <a:lnRef idx="2">
+            <a:schemeClr val="accent1">
+              <a:shade val="50000"/>
+            </a:schemeClr>
+          </a:lnRef>
+          <a:fillRef idx="1">
+            <a:schemeClr val="accent1"/>
+          </a:fillRef>
+          <a:effectRef idx="0">
+            <a:schemeClr val="accent1"/>
+          </a:effectRef>
+          <a:fontRef idx="minor">
+            <a:schemeClr val="lt1"/>
+          </a:fontRef>
+        </p:style>
+        <p:txBody>
+          <a:bodyPr vert="vert270" rtlCol="0" anchor="ctr"/>
+          <a:lstStyle/>
+          <a:p>
+            <a:pPr algn="ctr"/>
+            <a:r>
+              <a:rPr lang="en-GB" dirty="0"/>
+              <a:t>33</a:t>
+            </a:r>
+          </a:p>
+        </p:txBody>
+      </p:sp>
+      <p:sp>
+        <p:nvSpPr>
+          <p:cNvPr id="6" name="Rectangle 5">
+            <a:extLst>
+              <a:ext uri="{FF2B5EF4-FFF2-40B4-BE49-F238E27FC236}">
+                <a16:creationId xmlns:a16="http://schemas.microsoft.com/office/drawing/2014/main" id="{A79DF50C-D900-4202-A55E-FA44623E934D}"/>
+              </a:ext>
+            </a:extLst>
+          </p:cNvPr>
+          <p:cNvSpPr/>
+          <p:nvPr/>
+        </p:nvSpPr>
+        <p:spPr>
+          <a:xfrm>
+            <a:off x="5462278" y="2053904"/>
+            <a:ext cx="360000" cy="2304000"/>
+          </a:xfrm>
+          <a:prstGeom prst="rect">
+            <a:avLst/>
+          </a:prstGeom>
+        </p:spPr>
+        <p:style>
+          <a:lnRef idx="2">
+            <a:schemeClr val="accent1">
+              <a:shade val="50000"/>
+            </a:schemeClr>
+          </a:lnRef>
+          <a:fillRef idx="1">
+            <a:schemeClr val="accent1"/>
+          </a:fillRef>
+          <a:effectRef idx="0">
+            <a:schemeClr val="accent1"/>
+          </a:effectRef>
+          <a:fontRef idx="minor">
+            <a:schemeClr val="lt1"/>
+          </a:fontRef>
+        </p:style>
+        <p:txBody>
+          <a:bodyPr vert="vert270" rtlCol="0" anchor="ctr"/>
+          <a:lstStyle/>
+          <a:p>
+            <a:pPr algn="ctr"/>
+            <a:r>
+              <a:rPr lang="en-GB" dirty="0"/>
+              <a:t>128</a:t>
+            </a:r>
+          </a:p>
+        </p:txBody>
+      </p:sp>
+      <p:sp>
+        <p:nvSpPr>
+          <p:cNvPr id="8" name="Rectangle 7">
+            <a:extLst>
+              <a:ext uri="{FF2B5EF4-FFF2-40B4-BE49-F238E27FC236}">
+                <a16:creationId xmlns:a16="http://schemas.microsoft.com/office/drawing/2014/main" id="{7B97BD2F-E2F8-4DC3-A377-87BB601B38F4}"/>
+              </a:ext>
+            </a:extLst>
+          </p:cNvPr>
+          <p:cNvSpPr/>
+          <p:nvPr/>
+        </p:nvSpPr>
+        <p:spPr>
+          <a:xfrm>
+            <a:off x="6614349" y="3133904"/>
+            <a:ext cx="360000" cy="144000"/>
+          </a:xfrm>
+          <a:prstGeom prst="rect">
+            <a:avLst/>
+          </a:prstGeom>
+        </p:spPr>
+        <p:style>
+          <a:lnRef idx="2">
+            <a:schemeClr val="accent1">
+              <a:shade val="50000"/>
+            </a:schemeClr>
+          </a:lnRef>
+          <a:fillRef idx="1">
+            <a:schemeClr val="accent1"/>
+          </a:fillRef>
+          <a:effectRef idx="0">
+            <a:schemeClr val="accent1"/>
+          </a:effectRef>
+          <a:fontRef idx="minor">
+            <a:schemeClr val="lt1"/>
+          </a:fontRef>
+        </p:style>
+        <p:txBody>
+          <a:bodyPr rtlCol="0" anchor="ctr"/>
+          <a:lstStyle/>
+          <a:p>
+            <a:pPr algn="ctr"/>
+            <a:endParaRPr lang="en-GB"/>
+          </a:p>
+        </p:txBody>
+      </p:sp>
+      <p:sp>
+        <p:nvSpPr>
+          <p:cNvPr id="10" name="TextBox 9">
+            <a:extLst>
+              <a:ext uri="{FF2B5EF4-FFF2-40B4-BE49-F238E27FC236}">
+                <a16:creationId xmlns:a16="http://schemas.microsoft.com/office/drawing/2014/main" id="{BDF92160-CE9C-45CC-8A65-1648D04DC0F2}"/>
+              </a:ext>
+            </a:extLst>
+          </p:cNvPr>
+          <p:cNvSpPr txBox="1"/>
+          <p:nvPr/>
+        </p:nvSpPr>
+        <p:spPr>
+          <a:xfrm>
+            <a:off x="6563516" y="3395431"/>
+            <a:ext cx="461665" cy="369332"/>
+          </a:xfrm>
+          <a:prstGeom prst="rect">
+            <a:avLst/>
+          </a:prstGeom>
+          <a:noFill/>
+        </p:spPr>
+        <p:txBody>
+          <a:bodyPr vert="vert270" wrap="square" rtlCol="0">
+            <a:spAutoFit/>
+          </a:bodyPr>
+          <a:lstStyle/>
+          <a:p>
+            <a:pPr algn="ctr"/>
+            <a:r>
+              <a:rPr lang="en-GB" dirty="0"/>
+              <a:t>4</a:t>
+            </a:r>
+          </a:p>
+        </p:txBody>
+      </p:sp>
+      <p:sp>
+        <p:nvSpPr>
+          <p:cNvPr id="12" name="TextBox 11">
+            <a:extLst>
+              <a:ext uri="{FF2B5EF4-FFF2-40B4-BE49-F238E27FC236}">
+                <a16:creationId xmlns:a16="http://schemas.microsoft.com/office/drawing/2014/main" id="{EB5A2D55-EFFC-4FEA-9DC4-36D892C80D33}"/>
+              </a:ext>
+            </a:extLst>
+          </p:cNvPr>
+          <p:cNvSpPr txBox="1"/>
+          <p:nvPr/>
+        </p:nvSpPr>
+        <p:spPr>
+          <a:xfrm>
+            <a:off x="3693258" y="1949948"/>
+            <a:ext cx="400110" cy="2511912"/>
+          </a:xfrm>
+          <a:prstGeom prst="rect">
+            <a:avLst/>
+          </a:prstGeom>
+          <a:noFill/>
+        </p:spPr>
+        <p:txBody>
+          <a:bodyPr vert="vert270" wrap="square" rtlCol="0">
+            <a:spAutoFit/>
+          </a:bodyPr>
+          <a:lstStyle/>
+          <a:p>
+            <a:pPr algn="ctr"/>
+            <a:r>
+              <a:rPr lang="en-GB" sz="1400" dirty="0"/>
+              <a:t>Fully connected Layer</a:t>
+            </a:r>
+          </a:p>
+        </p:txBody>
+      </p:sp>
+      <p:sp>
+        <p:nvSpPr>
+          <p:cNvPr id="13" name="TextBox 12">
+            <a:extLst>
+              <a:ext uri="{FF2B5EF4-FFF2-40B4-BE49-F238E27FC236}">
+                <a16:creationId xmlns:a16="http://schemas.microsoft.com/office/drawing/2014/main" id="{4BFD4C26-773F-4DBD-9BD0-7393635E163D}"/>
+              </a:ext>
+            </a:extLst>
+          </p:cNvPr>
+          <p:cNvSpPr txBox="1"/>
+          <p:nvPr/>
+        </p:nvSpPr>
+        <p:spPr>
+          <a:xfrm>
+            <a:off x="4838716" y="1949948"/>
+            <a:ext cx="400110" cy="2511912"/>
+          </a:xfrm>
+          <a:prstGeom prst="rect">
+            <a:avLst/>
+          </a:prstGeom>
+          <a:noFill/>
+        </p:spPr>
+        <p:txBody>
+          <a:bodyPr vert="vert270" wrap="square" rtlCol="0">
+            <a:spAutoFit/>
+          </a:bodyPr>
+          <a:lstStyle/>
+          <a:p>
+            <a:pPr algn="ctr"/>
+            <a:r>
+              <a:rPr lang="en-GB" sz="1400" dirty="0"/>
+              <a:t>Fully connected Layer</a:t>
+            </a:r>
+          </a:p>
+        </p:txBody>
+      </p:sp>
+      <p:sp>
+        <p:nvSpPr>
+          <p:cNvPr id="14" name="TextBox 13">
+            <a:extLst>
+              <a:ext uri="{FF2B5EF4-FFF2-40B4-BE49-F238E27FC236}">
+                <a16:creationId xmlns:a16="http://schemas.microsoft.com/office/drawing/2014/main" id="{7103C5D2-0D34-4DFF-AD1B-EF473FB91CB5}"/>
+              </a:ext>
+            </a:extLst>
+          </p:cNvPr>
+          <p:cNvSpPr txBox="1"/>
+          <p:nvPr/>
+        </p:nvSpPr>
+        <p:spPr>
+          <a:xfrm>
+            <a:off x="5984174" y="1949948"/>
+            <a:ext cx="400110" cy="2511912"/>
+          </a:xfrm>
+          <a:prstGeom prst="rect">
+            <a:avLst/>
+          </a:prstGeom>
+          <a:noFill/>
+        </p:spPr>
+        <p:txBody>
+          <a:bodyPr vert="vert270" wrap="square" rtlCol="0">
+            <a:spAutoFit/>
+          </a:bodyPr>
+          <a:lstStyle/>
+          <a:p>
+            <a:pPr algn="ctr"/>
+            <a:r>
+              <a:rPr lang="en-GB" sz="1400" dirty="0"/>
+              <a:t>Fully connected Layer</a:t>
+            </a:r>
+          </a:p>
+        </p:txBody>
+      </p:sp>
+      <p:cxnSp>
+        <p:nvCxnSpPr>
+          <p:cNvPr id="17" name="Straight Arrow Connector 16">
+            <a:extLst>
+              <a:ext uri="{FF2B5EF4-FFF2-40B4-BE49-F238E27FC236}">
+                <a16:creationId xmlns:a16="http://schemas.microsoft.com/office/drawing/2014/main" id="{F2B4879F-558D-457F-95D4-36FC8446BA5E}"/>
+              </a:ext>
+            </a:extLst>
+          </p:cNvPr>
+          <p:cNvCxnSpPr>
+            <a:stCxn id="12" idx="1"/>
+            <a:endCxn id="12" idx="3"/>
+          </p:cNvCxnSpPr>
+          <p:nvPr/>
+        </p:nvCxnSpPr>
+        <p:spPr>
+          <a:xfrm>
+            <a:off x="3693258" y="3205904"/>
+            <a:ext cx="400110" cy="0"/>
+          </a:xfrm>
+          <a:prstGeom prst="straightConnector1">
+            <a:avLst/>
+          </a:prstGeom>
+          <a:ln>
+            <a:tailEnd type="triangle"/>
+          </a:ln>
+        </p:spPr>
+        <p:style>
+          <a:lnRef idx="1">
+            <a:schemeClr val="accent1"/>
+          </a:lnRef>
+          <a:fillRef idx="0">
+            <a:schemeClr val="accent1"/>
+          </a:fillRef>
+          <a:effectRef idx="0">
+            <a:schemeClr val="accent1"/>
+          </a:effectRef>
+          <a:fontRef idx="minor">
+            <a:schemeClr val="tx1"/>
+          </a:fontRef>
+        </p:style>
+      </p:cxnSp>
+      <p:cxnSp>
+        <p:nvCxnSpPr>
+          <p:cNvPr id="19" name="Straight Arrow Connector 18">
+            <a:extLst>
+              <a:ext uri="{FF2B5EF4-FFF2-40B4-BE49-F238E27FC236}">
+                <a16:creationId xmlns:a16="http://schemas.microsoft.com/office/drawing/2014/main" id="{400A1125-BEC3-44C0-8606-E2657E75A0CC}"/>
+              </a:ext>
+            </a:extLst>
+          </p:cNvPr>
+          <p:cNvCxnSpPr>
+            <a:stCxn id="13" idx="1"/>
+            <a:endCxn id="13" idx="3"/>
+          </p:cNvCxnSpPr>
+          <p:nvPr/>
+        </p:nvCxnSpPr>
+        <p:spPr>
+          <a:xfrm>
+            <a:off x="4838716" y="3205904"/>
+            <a:ext cx="400110" cy="0"/>
+          </a:xfrm>
+          <a:prstGeom prst="straightConnector1">
+            <a:avLst/>
+          </a:prstGeom>
+          <a:ln>
+            <a:tailEnd type="triangle"/>
+          </a:ln>
+        </p:spPr>
+        <p:style>
+          <a:lnRef idx="1">
+            <a:schemeClr val="accent1"/>
+          </a:lnRef>
+          <a:fillRef idx="0">
+            <a:schemeClr val="accent1"/>
+          </a:fillRef>
+          <a:effectRef idx="0">
+            <a:schemeClr val="accent1"/>
+          </a:effectRef>
+          <a:fontRef idx="minor">
+            <a:schemeClr val="tx1"/>
+          </a:fontRef>
+        </p:style>
+      </p:cxnSp>
+      <p:cxnSp>
+        <p:nvCxnSpPr>
+          <p:cNvPr id="21" name="Straight Arrow Connector 20">
+            <a:extLst>
+              <a:ext uri="{FF2B5EF4-FFF2-40B4-BE49-F238E27FC236}">
+                <a16:creationId xmlns:a16="http://schemas.microsoft.com/office/drawing/2014/main" id="{AC915C14-A849-4277-96B3-AC8DA95B9180}"/>
+              </a:ext>
+            </a:extLst>
+          </p:cNvPr>
+          <p:cNvCxnSpPr>
+            <a:stCxn id="14" idx="1"/>
+            <a:endCxn id="14" idx="3"/>
+          </p:cNvCxnSpPr>
+          <p:nvPr/>
+        </p:nvCxnSpPr>
+        <p:spPr>
+          <a:xfrm>
+            <a:off x="5984174" y="3205904"/>
+            <a:ext cx="400110" cy="0"/>
+          </a:xfrm>
+          <a:prstGeom prst="straightConnector1">
+            <a:avLst/>
+          </a:prstGeom>
+          <a:ln>
+            <a:tailEnd type="triangle"/>
+          </a:ln>
+        </p:spPr>
+        <p:style>
+          <a:lnRef idx="1">
+            <a:schemeClr val="accent1"/>
+          </a:lnRef>
+          <a:fillRef idx="0">
+            <a:schemeClr val="accent1"/>
+          </a:fillRef>
+          <a:effectRef idx="0">
+            <a:schemeClr val="accent1"/>
+          </a:effectRef>
+          <a:fontRef idx="minor">
+            <a:schemeClr val="tx1"/>
+          </a:fontRef>
+        </p:style>
+      </p:cxnSp>
+      <p:sp>
+        <p:nvSpPr>
+          <p:cNvPr id="16" name="TextBox 15">
+            <a:extLst>
+              <a:ext uri="{FF2B5EF4-FFF2-40B4-BE49-F238E27FC236}">
+                <a16:creationId xmlns:a16="http://schemas.microsoft.com/office/drawing/2014/main" id="{D2289EBA-647E-4B51-B1A6-403A5CCF3108}"/>
+              </a:ext>
+            </a:extLst>
+          </p:cNvPr>
+          <p:cNvSpPr txBox="1"/>
+          <p:nvPr/>
+        </p:nvSpPr>
+        <p:spPr>
+          <a:xfrm>
+            <a:off x="7156862" y="1949948"/>
+            <a:ext cx="400110" cy="2511912"/>
+          </a:xfrm>
+          <a:prstGeom prst="rect">
+            <a:avLst/>
+          </a:prstGeom>
+          <a:noFill/>
+        </p:spPr>
+        <p:txBody>
+          <a:bodyPr vert="vert270" wrap="square" rtlCol="0">
+            <a:spAutoFit/>
+          </a:bodyPr>
+          <a:lstStyle/>
+          <a:p>
+            <a:pPr algn="ctr"/>
+            <a:r>
+              <a:rPr lang="en-GB" sz="1400" dirty="0"/>
+              <a:t>tanh</a:t>
+            </a:r>
+          </a:p>
+        </p:txBody>
+      </p:sp>
+      <p:sp>
+        <p:nvSpPr>
+          <p:cNvPr id="18" name="TextBox 17">
+            <a:extLst>
+              <a:ext uri="{FF2B5EF4-FFF2-40B4-BE49-F238E27FC236}">
+                <a16:creationId xmlns:a16="http://schemas.microsoft.com/office/drawing/2014/main" id="{8BA2CD52-2B4F-4CDC-997B-0AAA6067020C}"/>
+              </a:ext>
+            </a:extLst>
+          </p:cNvPr>
+          <p:cNvSpPr txBox="1"/>
+          <p:nvPr/>
+        </p:nvSpPr>
+        <p:spPr>
+          <a:xfrm>
+            <a:off x="2490249" y="2588614"/>
+            <a:ext cx="400110" cy="1234580"/>
+          </a:xfrm>
+          <a:prstGeom prst="rect">
+            <a:avLst/>
+          </a:prstGeom>
+          <a:noFill/>
+        </p:spPr>
+        <p:txBody>
+          <a:bodyPr vert="vert270" wrap="square" rtlCol="0">
+            <a:spAutoFit/>
+          </a:bodyPr>
+          <a:lstStyle/>
+          <a:p>
+            <a:pPr algn="ctr"/>
+            <a:r>
+              <a:rPr lang="en-GB" sz="1400" dirty="0"/>
+              <a:t>State</a:t>
+            </a:r>
+          </a:p>
+        </p:txBody>
+      </p:sp>
+      <p:cxnSp>
+        <p:nvCxnSpPr>
+          <p:cNvPr id="20" name="Straight Arrow Connector 19">
+            <a:extLst>
+              <a:ext uri="{FF2B5EF4-FFF2-40B4-BE49-F238E27FC236}">
+                <a16:creationId xmlns:a16="http://schemas.microsoft.com/office/drawing/2014/main" id="{053B59E1-0C8E-46F7-95B9-2201C576264C}"/>
+              </a:ext>
+            </a:extLst>
+          </p:cNvPr>
+          <p:cNvCxnSpPr>
+            <a:stCxn id="18" idx="1"/>
+            <a:endCxn id="18" idx="3"/>
+          </p:cNvCxnSpPr>
+          <p:nvPr/>
+        </p:nvCxnSpPr>
+        <p:spPr>
+          <a:xfrm>
+            <a:off x="2490249" y="3205904"/>
+            <a:ext cx="400110" cy="0"/>
+          </a:xfrm>
+          <a:prstGeom prst="straightConnector1">
+            <a:avLst/>
+          </a:prstGeom>
+          <a:ln>
+            <a:tailEnd type="triangle"/>
+          </a:ln>
+        </p:spPr>
+        <p:style>
+          <a:lnRef idx="1">
+            <a:schemeClr val="accent1"/>
+          </a:lnRef>
+          <a:fillRef idx="0">
+            <a:schemeClr val="accent1"/>
+          </a:fillRef>
+          <a:effectRef idx="0">
+            <a:schemeClr val="accent1"/>
+          </a:effectRef>
+          <a:fontRef idx="minor">
+            <a:schemeClr val="tx1"/>
+          </a:fontRef>
+        </p:style>
+      </p:cxnSp>
+    </p:spTree>
+    <p:extLst>
+      <p:ext uri="{BB962C8B-B14F-4D97-AF65-F5344CB8AC3E}">
+        <p14:creationId xmlns:p14="http://schemas.microsoft.com/office/powerpoint/2010/main" val="839763827"/>
+      </p:ext>
+    </p:extLst>
+  </p:cSld>
+  <p:clrMapOvr>
+    <a:masterClrMapping/>
+  </p:clrMapOvr>
+</p:sld>
+</file>
+
+<file path=ppt/slides/slide4.xml><?xml version="1.0" encoding="utf-8"?>
+<p:sld xmlns:a="http://schemas.openxmlformats.org/drawingml/2006/main" xmlns:r="http://schemas.openxmlformats.org/officeDocument/2006/relationships" xmlns:p="http://schemas.openxmlformats.org/presentationml/2006/main">
+  <p:cSld>
+    <p:spTree>
+      <p:nvGrpSpPr>
+        <p:cNvPr id="1" name=""/>
+        <p:cNvGrpSpPr/>
+        <p:nvPr/>
+      </p:nvGrpSpPr>
+      <p:grpSpPr>
+        <a:xfrm>
+          <a:off x="0" y="0"/>
+          <a:ext cx="0" cy="0"/>
+          <a:chOff x="0" y="0"/>
+          <a:chExt cx="0" cy="0"/>
+        </a:xfrm>
+      </p:grpSpPr>
+      <p:sp>
+        <p:nvSpPr>
+          <p:cNvPr id="4" name="Rectangle 3">
+            <a:extLst>
+              <a:ext uri="{FF2B5EF4-FFF2-40B4-BE49-F238E27FC236}">
+                <a16:creationId xmlns:a16="http://schemas.microsoft.com/office/drawing/2014/main" id="{1FDA22F3-0F65-48EF-BAB0-4804764C3188}"/>
+              </a:ext>
+            </a:extLst>
+          </p:cNvPr>
+          <p:cNvSpPr/>
+          <p:nvPr/>
+        </p:nvSpPr>
+        <p:spPr>
+          <a:xfrm>
+            <a:off x="4316820" y="1059846"/>
+            <a:ext cx="360000" cy="4608000"/>
+          </a:xfrm>
+          <a:prstGeom prst="rect">
+            <a:avLst/>
+          </a:prstGeom>
+        </p:spPr>
+        <p:style>
+          <a:lnRef idx="2">
+            <a:schemeClr val="accent1">
+              <a:shade val="50000"/>
+            </a:schemeClr>
+          </a:lnRef>
+          <a:fillRef idx="1">
+            <a:schemeClr val="accent1"/>
+          </a:fillRef>
+          <a:effectRef idx="0">
+            <a:schemeClr val="accent1"/>
+          </a:effectRef>
+          <a:fontRef idx="minor">
+            <a:schemeClr val="lt1"/>
+          </a:fontRef>
+        </p:style>
+        <p:txBody>
+          <a:bodyPr vert="vert270" rtlCol="0" anchor="ctr"/>
+          <a:lstStyle/>
+          <a:p>
+            <a:pPr algn="ctr"/>
+            <a:r>
+              <a:rPr lang="en-GB" dirty="0"/>
+              <a:t>256</a:t>
+            </a:r>
+          </a:p>
+        </p:txBody>
+      </p:sp>
+      <p:sp>
+        <p:nvSpPr>
+          <p:cNvPr id="5" name="Rectangle 4">
+            <a:extLst>
+              <a:ext uri="{FF2B5EF4-FFF2-40B4-BE49-F238E27FC236}">
+                <a16:creationId xmlns:a16="http://schemas.microsoft.com/office/drawing/2014/main" id="{03995D9A-0934-4BC8-AD40-73F25B2C70A1}"/>
+              </a:ext>
+            </a:extLst>
+          </p:cNvPr>
+          <p:cNvSpPr/>
+          <p:nvPr/>
+        </p:nvSpPr>
+        <p:spPr>
+          <a:xfrm>
+            <a:off x="3171362" y="2697846"/>
+            <a:ext cx="360000" cy="1332000"/>
+          </a:xfrm>
+          <a:prstGeom prst="rect">
+            <a:avLst/>
+          </a:prstGeom>
+        </p:spPr>
+        <p:style>
+          <a:lnRef idx="2">
+            <a:schemeClr val="accent1">
+              <a:shade val="50000"/>
+            </a:schemeClr>
+          </a:lnRef>
+          <a:fillRef idx="1">
+            <a:schemeClr val="accent1"/>
+          </a:fillRef>
+          <a:effectRef idx="0">
+            <a:schemeClr val="accent1"/>
+          </a:effectRef>
+          <a:fontRef idx="minor">
+            <a:schemeClr val="lt1"/>
+          </a:fontRef>
+        </p:style>
+        <p:txBody>
+          <a:bodyPr vert="vert270" rtlCol="0" anchor="ctr"/>
+          <a:lstStyle/>
+          <a:p>
+            <a:pPr algn="ctr"/>
+            <a:r>
+              <a:rPr lang="en-GB" dirty="0"/>
+              <a:t>33</a:t>
+            </a:r>
+          </a:p>
+        </p:txBody>
+      </p:sp>
+      <p:sp>
+        <p:nvSpPr>
+          <p:cNvPr id="6" name="Rectangle 5">
+            <a:extLst>
+              <a:ext uri="{FF2B5EF4-FFF2-40B4-BE49-F238E27FC236}">
+                <a16:creationId xmlns:a16="http://schemas.microsoft.com/office/drawing/2014/main" id="{A79DF50C-D900-4202-A55E-FA44623E934D}"/>
+              </a:ext>
+            </a:extLst>
+          </p:cNvPr>
+          <p:cNvSpPr/>
+          <p:nvPr/>
+        </p:nvSpPr>
+        <p:spPr>
+          <a:xfrm>
+            <a:off x="5803100" y="2053904"/>
+            <a:ext cx="360000" cy="2304000"/>
+          </a:xfrm>
+          <a:prstGeom prst="rect">
+            <a:avLst/>
+          </a:prstGeom>
+        </p:spPr>
+        <p:style>
+          <a:lnRef idx="2">
+            <a:schemeClr val="accent1">
+              <a:shade val="50000"/>
+            </a:schemeClr>
+          </a:lnRef>
+          <a:fillRef idx="1">
+            <a:schemeClr val="accent1"/>
+          </a:fillRef>
+          <a:effectRef idx="0">
+            <a:schemeClr val="accent1"/>
+          </a:effectRef>
+          <a:fontRef idx="minor">
+            <a:schemeClr val="lt1"/>
+          </a:fontRef>
+        </p:style>
+        <p:txBody>
+          <a:bodyPr vert="vert270" rtlCol="0" anchor="ctr"/>
+          <a:lstStyle/>
+          <a:p>
+            <a:pPr algn="ctr"/>
+            <a:r>
+              <a:rPr lang="en-GB" dirty="0"/>
+              <a:t>128</a:t>
+            </a:r>
+          </a:p>
+        </p:txBody>
+      </p:sp>
+      <p:sp>
+        <p:nvSpPr>
+          <p:cNvPr id="8" name="Rectangle 7">
+            <a:extLst>
+              <a:ext uri="{FF2B5EF4-FFF2-40B4-BE49-F238E27FC236}">
+                <a16:creationId xmlns:a16="http://schemas.microsoft.com/office/drawing/2014/main" id="{7B97BD2F-E2F8-4DC3-A377-87BB601B38F4}"/>
+              </a:ext>
+            </a:extLst>
+          </p:cNvPr>
+          <p:cNvSpPr/>
+          <p:nvPr/>
+        </p:nvSpPr>
+        <p:spPr>
+          <a:xfrm>
+            <a:off x="6963482" y="3133904"/>
+            <a:ext cx="360000" cy="144000"/>
+          </a:xfrm>
+          <a:prstGeom prst="rect">
+            <a:avLst/>
+          </a:prstGeom>
+        </p:spPr>
+        <p:style>
+          <a:lnRef idx="2">
+            <a:schemeClr val="accent1">
+              <a:shade val="50000"/>
+            </a:schemeClr>
+          </a:lnRef>
+          <a:fillRef idx="1">
+            <a:schemeClr val="accent1"/>
+          </a:fillRef>
+          <a:effectRef idx="0">
+            <a:schemeClr val="accent1"/>
+          </a:effectRef>
+          <a:fontRef idx="minor">
+            <a:schemeClr val="lt1"/>
+          </a:fontRef>
+        </p:style>
+        <p:txBody>
+          <a:bodyPr rtlCol="0" anchor="ctr"/>
+          <a:lstStyle/>
+          <a:p>
+            <a:pPr algn="ctr"/>
+            <a:endParaRPr lang="en-GB"/>
+          </a:p>
+        </p:txBody>
+      </p:sp>
+      <p:sp>
+        <p:nvSpPr>
+          <p:cNvPr id="10" name="TextBox 9">
+            <a:extLst>
+              <a:ext uri="{FF2B5EF4-FFF2-40B4-BE49-F238E27FC236}">
+                <a16:creationId xmlns:a16="http://schemas.microsoft.com/office/drawing/2014/main" id="{BDF92160-CE9C-45CC-8A65-1648D04DC0F2}"/>
+              </a:ext>
+            </a:extLst>
+          </p:cNvPr>
+          <p:cNvSpPr txBox="1"/>
+          <p:nvPr/>
+        </p:nvSpPr>
+        <p:spPr>
+          <a:xfrm>
+            <a:off x="6912649" y="3395431"/>
+            <a:ext cx="461665" cy="369332"/>
+          </a:xfrm>
+          <a:prstGeom prst="rect">
+            <a:avLst/>
+          </a:prstGeom>
+          <a:noFill/>
+        </p:spPr>
+        <p:txBody>
+          <a:bodyPr vert="vert270" wrap="square" rtlCol="0">
+            <a:spAutoFit/>
+          </a:bodyPr>
+          <a:lstStyle/>
+          <a:p>
+            <a:pPr algn="ctr"/>
+            <a:r>
+              <a:rPr lang="en-GB" dirty="0"/>
+              <a:t>1</a:t>
+            </a:r>
+          </a:p>
+        </p:txBody>
+      </p:sp>
+      <p:sp>
+        <p:nvSpPr>
+          <p:cNvPr id="12" name="TextBox 11">
+            <a:extLst>
+              <a:ext uri="{FF2B5EF4-FFF2-40B4-BE49-F238E27FC236}">
+                <a16:creationId xmlns:a16="http://schemas.microsoft.com/office/drawing/2014/main" id="{EB5A2D55-EFFC-4FEA-9DC4-36D892C80D33}"/>
+              </a:ext>
+            </a:extLst>
+          </p:cNvPr>
+          <p:cNvSpPr txBox="1"/>
+          <p:nvPr/>
+        </p:nvSpPr>
+        <p:spPr>
+          <a:xfrm>
+            <a:off x="3693258" y="2107890"/>
+            <a:ext cx="400110" cy="2511912"/>
+          </a:xfrm>
+          <a:prstGeom prst="rect">
+            <a:avLst/>
+          </a:prstGeom>
+          <a:noFill/>
+        </p:spPr>
+        <p:txBody>
+          <a:bodyPr vert="vert270" wrap="square" rtlCol="0">
+            <a:spAutoFit/>
+          </a:bodyPr>
+          <a:lstStyle/>
+          <a:p>
+            <a:pPr algn="ctr"/>
+            <a:r>
+              <a:rPr lang="en-GB" sz="1400" dirty="0"/>
+              <a:t>Fully connected Layer</a:t>
+            </a:r>
+          </a:p>
+        </p:txBody>
+      </p:sp>
+      <p:sp>
+        <p:nvSpPr>
+          <p:cNvPr id="13" name="TextBox 12">
+            <a:extLst>
+              <a:ext uri="{FF2B5EF4-FFF2-40B4-BE49-F238E27FC236}">
+                <a16:creationId xmlns:a16="http://schemas.microsoft.com/office/drawing/2014/main" id="{4BFD4C26-773F-4DBD-9BD0-7393635E163D}"/>
+              </a:ext>
+            </a:extLst>
+          </p:cNvPr>
+          <p:cNvSpPr txBox="1"/>
+          <p:nvPr/>
+        </p:nvSpPr>
+        <p:spPr>
+          <a:xfrm>
+            <a:off x="5179538" y="1949948"/>
+            <a:ext cx="400110" cy="2511912"/>
+          </a:xfrm>
+          <a:prstGeom prst="rect">
+            <a:avLst/>
+          </a:prstGeom>
+          <a:noFill/>
+        </p:spPr>
+        <p:txBody>
+          <a:bodyPr vert="vert270" wrap="square" rtlCol="0">
+            <a:spAutoFit/>
+          </a:bodyPr>
+          <a:lstStyle/>
+          <a:p>
+            <a:pPr algn="ctr"/>
+            <a:r>
+              <a:rPr lang="en-GB" sz="1400" dirty="0"/>
+              <a:t>Fully connected Layer</a:t>
+            </a:r>
+          </a:p>
+        </p:txBody>
+      </p:sp>
+      <p:sp>
+        <p:nvSpPr>
+          <p:cNvPr id="14" name="TextBox 13">
+            <a:extLst>
+              <a:ext uri="{FF2B5EF4-FFF2-40B4-BE49-F238E27FC236}">
+                <a16:creationId xmlns:a16="http://schemas.microsoft.com/office/drawing/2014/main" id="{7103C5D2-0D34-4DFF-AD1B-EF473FB91CB5}"/>
+              </a:ext>
+            </a:extLst>
+          </p:cNvPr>
+          <p:cNvSpPr txBox="1"/>
+          <p:nvPr/>
+        </p:nvSpPr>
+        <p:spPr>
+          <a:xfrm>
+            <a:off x="6324996" y="1949948"/>
+            <a:ext cx="400110" cy="2511912"/>
+          </a:xfrm>
+          <a:prstGeom prst="rect">
+            <a:avLst/>
+          </a:prstGeom>
+          <a:noFill/>
+        </p:spPr>
+        <p:txBody>
+          <a:bodyPr vert="vert270" wrap="square" rtlCol="0">
+            <a:spAutoFit/>
+          </a:bodyPr>
+          <a:lstStyle/>
+          <a:p>
+            <a:pPr algn="ctr"/>
+            <a:r>
+              <a:rPr lang="en-GB" sz="1400" dirty="0"/>
+              <a:t>Fully connected Layer</a:t>
+            </a:r>
+          </a:p>
+        </p:txBody>
+      </p:sp>
+      <p:cxnSp>
+        <p:nvCxnSpPr>
+          <p:cNvPr id="17" name="Straight Arrow Connector 16">
+            <a:extLst>
+              <a:ext uri="{FF2B5EF4-FFF2-40B4-BE49-F238E27FC236}">
+                <a16:creationId xmlns:a16="http://schemas.microsoft.com/office/drawing/2014/main" id="{F2B4879F-558D-457F-95D4-36FC8446BA5E}"/>
+              </a:ext>
+            </a:extLst>
+          </p:cNvPr>
+          <p:cNvCxnSpPr>
+            <a:stCxn id="12" idx="1"/>
+            <a:endCxn id="12" idx="3"/>
+          </p:cNvCxnSpPr>
+          <p:nvPr/>
+        </p:nvCxnSpPr>
+        <p:spPr>
+          <a:xfrm>
+            <a:off x="3693258" y="3363846"/>
+            <a:ext cx="400110" cy="0"/>
+          </a:xfrm>
+          <a:prstGeom prst="straightConnector1">
+            <a:avLst/>
+          </a:prstGeom>
+          <a:ln>
+            <a:tailEnd type="triangle"/>
+          </a:ln>
+        </p:spPr>
+        <p:style>
+          <a:lnRef idx="1">
+            <a:schemeClr val="accent1"/>
+          </a:lnRef>
+          <a:fillRef idx="0">
+            <a:schemeClr val="accent1"/>
+          </a:fillRef>
+          <a:effectRef idx="0">
+            <a:schemeClr val="accent1"/>
+          </a:effectRef>
+          <a:fontRef idx="minor">
+            <a:schemeClr val="tx1"/>
+          </a:fontRef>
+        </p:style>
+      </p:cxnSp>
+      <p:cxnSp>
+        <p:nvCxnSpPr>
+          <p:cNvPr id="19" name="Straight Arrow Connector 18">
+            <a:extLst>
+              <a:ext uri="{FF2B5EF4-FFF2-40B4-BE49-F238E27FC236}">
+                <a16:creationId xmlns:a16="http://schemas.microsoft.com/office/drawing/2014/main" id="{400A1125-BEC3-44C0-8606-E2657E75A0CC}"/>
+              </a:ext>
+            </a:extLst>
+          </p:cNvPr>
+          <p:cNvCxnSpPr>
+            <a:stCxn id="13" idx="1"/>
+            <a:endCxn id="13" idx="3"/>
+          </p:cNvCxnSpPr>
+          <p:nvPr/>
+        </p:nvCxnSpPr>
+        <p:spPr>
+          <a:xfrm>
+            <a:off x="5179538" y="3205904"/>
+            <a:ext cx="400110" cy="0"/>
+          </a:xfrm>
+          <a:prstGeom prst="straightConnector1">
+            <a:avLst/>
+          </a:prstGeom>
+          <a:ln>
+            <a:tailEnd type="triangle"/>
+          </a:ln>
+        </p:spPr>
+        <p:style>
+          <a:lnRef idx="1">
+            <a:schemeClr val="accent1"/>
+          </a:lnRef>
+          <a:fillRef idx="0">
+            <a:schemeClr val="accent1"/>
+          </a:fillRef>
+          <a:effectRef idx="0">
+            <a:schemeClr val="accent1"/>
+          </a:effectRef>
+          <a:fontRef idx="minor">
+            <a:schemeClr val="tx1"/>
+          </a:fontRef>
+        </p:style>
+      </p:cxnSp>
+      <p:cxnSp>
+        <p:nvCxnSpPr>
+          <p:cNvPr id="21" name="Straight Arrow Connector 20">
+            <a:extLst>
+              <a:ext uri="{FF2B5EF4-FFF2-40B4-BE49-F238E27FC236}">
+                <a16:creationId xmlns:a16="http://schemas.microsoft.com/office/drawing/2014/main" id="{AC915C14-A849-4277-96B3-AC8DA95B9180}"/>
+              </a:ext>
+            </a:extLst>
+          </p:cNvPr>
+          <p:cNvCxnSpPr>
+            <a:stCxn id="14" idx="1"/>
+            <a:endCxn id="14" idx="3"/>
+          </p:cNvCxnSpPr>
+          <p:nvPr/>
+        </p:nvCxnSpPr>
+        <p:spPr>
+          <a:xfrm>
+            <a:off x="6324996" y="3205904"/>
+            <a:ext cx="400110" cy="0"/>
+          </a:xfrm>
+          <a:prstGeom prst="straightConnector1">
+            <a:avLst/>
+          </a:prstGeom>
+          <a:ln>
+            <a:tailEnd type="triangle"/>
+          </a:ln>
+        </p:spPr>
+        <p:style>
+          <a:lnRef idx="1">
+            <a:schemeClr val="accent1"/>
+          </a:lnRef>
+          <a:fillRef idx="0">
+            <a:schemeClr val="accent1"/>
+          </a:fillRef>
+          <a:effectRef idx="0">
+            <a:schemeClr val="accent1"/>
+          </a:effectRef>
+          <a:fontRef idx="minor">
+            <a:schemeClr val="tx1"/>
+          </a:fontRef>
+        </p:style>
+      </p:cxnSp>
+      <p:sp>
+        <p:nvSpPr>
+          <p:cNvPr id="18" name="Rectangle 17">
+            <a:extLst>
+              <a:ext uri="{FF2B5EF4-FFF2-40B4-BE49-F238E27FC236}">
+                <a16:creationId xmlns:a16="http://schemas.microsoft.com/office/drawing/2014/main" id="{FF4EF3E2-352B-4261-9B2C-E28D12AA3F76}"/>
+              </a:ext>
+            </a:extLst>
+          </p:cNvPr>
+          <p:cNvSpPr/>
+          <p:nvPr/>
+        </p:nvSpPr>
+        <p:spPr>
+          <a:xfrm>
+            <a:off x="4316820" y="750923"/>
+            <a:ext cx="360000" cy="144000"/>
+          </a:xfrm>
+          <a:prstGeom prst="rect">
+            <a:avLst/>
+          </a:prstGeom>
+        </p:spPr>
+        <p:style>
+          <a:lnRef idx="2">
+            <a:schemeClr val="accent1">
+              <a:shade val="50000"/>
+            </a:schemeClr>
+          </a:lnRef>
+          <a:fillRef idx="1">
+            <a:schemeClr val="accent1"/>
+          </a:fillRef>
+          <a:effectRef idx="0">
+            <a:schemeClr val="accent1"/>
+          </a:effectRef>
+          <a:fontRef idx="minor">
+            <a:schemeClr val="lt1"/>
+          </a:fontRef>
+        </p:style>
+        <p:txBody>
+          <a:bodyPr rtlCol="0" anchor="ctr"/>
+          <a:lstStyle/>
+          <a:p>
+            <a:pPr algn="ctr"/>
+            <a:endParaRPr lang="en-GB"/>
+          </a:p>
+        </p:txBody>
+      </p:sp>
+      <p:sp>
+        <p:nvSpPr>
+          <p:cNvPr id="20" name="TextBox 19">
+            <a:extLst>
+              <a:ext uri="{FF2B5EF4-FFF2-40B4-BE49-F238E27FC236}">
+                <a16:creationId xmlns:a16="http://schemas.microsoft.com/office/drawing/2014/main" id="{045A5F65-15C9-486A-A761-E6DBF118CAC1}"/>
+              </a:ext>
+            </a:extLst>
+          </p:cNvPr>
+          <p:cNvSpPr txBox="1"/>
+          <p:nvPr/>
+        </p:nvSpPr>
+        <p:spPr>
+          <a:xfrm>
+            <a:off x="4265987" y="453591"/>
+            <a:ext cx="461665" cy="369332"/>
+          </a:xfrm>
+          <a:prstGeom prst="rect">
+            <a:avLst/>
+          </a:prstGeom>
+          <a:noFill/>
+        </p:spPr>
+        <p:txBody>
+          <a:bodyPr vert="vert270" wrap="square" rtlCol="0">
+            <a:spAutoFit/>
+          </a:bodyPr>
+          <a:lstStyle/>
+          <a:p>
+            <a:pPr algn="ctr"/>
+            <a:r>
+              <a:rPr lang="en-GB" dirty="0"/>
+              <a:t>4</a:t>
+            </a:r>
+          </a:p>
+        </p:txBody>
+      </p:sp>
+      <p:sp>
+        <p:nvSpPr>
+          <p:cNvPr id="22" name="TextBox 21">
+            <a:extLst>
+              <a:ext uri="{FF2B5EF4-FFF2-40B4-BE49-F238E27FC236}">
+                <a16:creationId xmlns:a16="http://schemas.microsoft.com/office/drawing/2014/main" id="{2C99CF54-A66B-4B32-9A55-C987AFBD4C34}"/>
+              </a:ext>
+            </a:extLst>
+          </p:cNvPr>
+          <p:cNvSpPr txBox="1"/>
+          <p:nvPr/>
+        </p:nvSpPr>
+        <p:spPr>
+          <a:xfrm>
+            <a:off x="4265987" y="792719"/>
+            <a:ext cx="461665" cy="369332"/>
+          </a:xfrm>
+          <a:prstGeom prst="rect">
+            <a:avLst/>
+          </a:prstGeom>
+          <a:noFill/>
+        </p:spPr>
+        <p:txBody>
+          <a:bodyPr vert="vert270" wrap="square" rtlCol="0">
+            <a:spAutoFit/>
+          </a:bodyPr>
+          <a:lstStyle/>
+          <a:p>
+            <a:pPr algn="ctr"/>
+            <a:r>
+              <a:rPr lang="en-GB" dirty="0"/>
+              <a:t>+</a:t>
+            </a:r>
+          </a:p>
+        </p:txBody>
+      </p:sp>
+      <p:sp>
+        <p:nvSpPr>
+          <p:cNvPr id="2" name="Right Brace 1">
+            <a:extLst>
+              <a:ext uri="{FF2B5EF4-FFF2-40B4-BE49-F238E27FC236}">
+                <a16:creationId xmlns:a16="http://schemas.microsoft.com/office/drawing/2014/main" id="{D43A88BD-5D4E-4942-858B-6C8407E64FB6}"/>
+              </a:ext>
+            </a:extLst>
+          </p:cNvPr>
+          <p:cNvSpPr/>
+          <p:nvPr/>
+        </p:nvSpPr>
+        <p:spPr>
+          <a:xfrm>
+            <a:off x="4941163" y="750923"/>
+            <a:ext cx="154540" cy="4916923"/>
+          </a:xfrm>
+          <a:prstGeom prst="rightBrace">
+            <a:avLst/>
+          </a:prstGeom>
+        </p:spPr>
+        <p:style>
+          <a:lnRef idx="1">
+            <a:schemeClr val="accent1"/>
+          </a:lnRef>
+          <a:fillRef idx="0">
+            <a:schemeClr val="accent1"/>
+          </a:fillRef>
+          <a:effectRef idx="0">
+            <a:schemeClr val="accent1"/>
+          </a:effectRef>
+          <a:fontRef idx="minor">
+            <a:schemeClr val="tx1"/>
+          </a:fontRef>
+        </p:style>
+        <p:txBody>
+          <a:bodyPr rtlCol="0" anchor="ctr"/>
+          <a:lstStyle/>
+          <a:p>
+            <a:pPr algn="ctr"/>
+            <a:endParaRPr lang="en-GB"/>
+          </a:p>
+        </p:txBody>
+      </p:sp>
+      <p:sp>
+        <p:nvSpPr>
+          <p:cNvPr id="24" name="TextBox 23">
+            <a:extLst>
+              <a:ext uri="{FF2B5EF4-FFF2-40B4-BE49-F238E27FC236}">
+                <a16:creationId xmlns:a16="http://schemas.microsoft.com/office/drawing/2014/main" id="{7BE36B00-8885-4507-BCB4-5AE2A79B86E0}"/>
+              </a:ext>
+            </a:extLst>
+          </p:cNvPr>
+          <p:cNvSpPr txBox="1"/>
+          <p:nvPr/>
+        </p:nvSpPr>
+        <p:spPr>
+          <a:xfrm>
+            <a:off x="3693258" y="228460"/>
+            <a:ext cx="400110" cy="1234580"/>
+          </a:xfrm>
+          <a:prstGeom prst="rect">
+            <a:avLst/>
+          </a:prstGeom>
+          <a:noFill/>
+        </p:spPr>
+        <p:txBody>
+          <a:bodyPr vert="vert270" wrap="square" rtlCol="0">
+            <a:spAutoFit/>
+          </a:bodyPr>
+          <a:lstStyle/>
+          <a:p>
+            <a:pPr algn="ctr"/>
+            <a:r>
+              <a:rPr lang="en-GB" sz="1400" dirty="0"/>
+              <a:t>Actions</a:t>
+            </a:r>
+          </a:p>
+        </p:txBody>
+      </p:sp>
+      <p:cxnSp>
+        <p:nvCxnSpPr>
+          <p:cNvPr id="25" name="Straight Arrow Connector 24">
+            <a:extLst>
+              <a:ext uri="{FF2B5EF4-FFF2-40B4-BE49-F238E27FC236}">
+                <a16:creationId xmlns:a16="http://schemas.microsoft.com/office/drawing/2014/main" id="{536C5064-DB82-4428-91EA-142A22EA4DD9}"/>
+              </a:ext>
+            </a:extLst>
+          </p:cNvPr>
+          <p:cNvCxnSpPr>
+            <a:stCxn id="24" idx="1"/>
+            <a:endCxn id="24" idx="3"/>
+          </p:cNvCxnSpPr>
+          <p:nvPr/>
+        </p:nvCxnSpPr>
+        <p:spPr>
+          <a:xfrm>
+            <a:off x="3693258" y="845750"/>
+            <a:ext cx="400110" cy="0"/>
+          </a:xfrm>
+          <a:prstGeom prst="straightConnector1">
+            <a:avLst/>
+          </a:prstGeom>
+          <a:ln>
+            <a:tailEnd type="triangle"/>
+          </a:ln>
+        </p:spPr>
+        <p:style>
+          <a:lnRef idx="1">
+            <a:schemeClr val="accent1"/>
+          </a:lnRef>
+          <a:fillRef idx="0">
+            <a:schemeClr val="accent1"/>
+          </a:fillRef>
+          <a:effectRef idx="0">
+            <a:schemeClr val="accent1"/>
+          </a:effectRef>
+          <a:fontRef idx="minor">
+            <a:schemeClr val="tx1"/>
+          </a:fontRef>
+        </p:style>
+      </p:cxnSp>
+      <p:sp>
+        <p:nvSpPr>
+          <p:cNvPr id="26" name="TextBox 25">
+            <a:extLst>
+              <a:ext uri="{FF2B5EF4-FFF2-40B4-BE49-F238E27FC236}">
+                <a16:creationId xmlns:a16="http://schemas.microsoft.com/office/drawing/2014/main" id="{04023E43-1197-4611-9F05-D21308E75301}"/>
+              </a:ext>
+            </a:extLst>
+          </p:cNvPr>
+          <p:cNvSpPr txBox="1"/>
+          <p:nvPr/>
+        </p:nvSpPr>
+        <p:spPr>
+          <a:xfrm>
+            <a:off x="2490249" y="2746556"/>
+            <a:ext cx="400110" cy="1234580"/>
+          </a:xfrm>
+          <a:prstGeom prst="rect">
+            <a:avLst/>
+          </a:prstGeom>
+          <a:noFill/>
+        </p:spPr>
+        <p:txBody>
+          <a:bodyPr vert="vert270" wrap="square" rtlCol="0">
+            <a:spAutoFit/>
+          </a:bodyPr>
+          <a:lstStyle/>
+          <a:p>
+            <a:pPr algn="ctr"/>
+            <a:r>
+              <a:rPr lang="en-GB" sz="1400" dirty="0"/>
+              <a:t>State</a:t>
+            </a:r>
+          </a:p>
+        </p:txBody>
+      </p:sp>
+      <p:cxnSp>
+        <p:nvCxnSpPr>
+          <p:cNvPr id="27" name="Straight Arrow Connector 26">
+            <a:extLst>
+              <a:ext uri="{FF2B5EF4-FFF2-40B4-BE49-F238E27FC236}">
+                <a16:creationId xmlns:a16="http://schemas.microsoft.com/office/drawing/2014/main" id="{FB4F0633-591A-41CD-9BA2-2984A0A7332F}"/>
+              </a:ext>
+            </a:extLst>
+          </p:cNvPr>
+          <p:cNvCxnSpPr>
+            <a:stCxn id="26" idx="1"/>
+            <a:endCxn id="26" idx="3"/>
+          </p:cNvCxnSpPr>
+          <p:nvPr/>
+        </p:nvCxnSpPr>
+        <p:spPr>
+          <a:xfrm>
+            <a:off x="2490249" y="3363846"/>
+            <a:ext cx="400110" cy="0"/>
+          </a:xfrm>
+          <a:prstGeom prst="straightConnector1">
+            <a:avLst/>
+          </a:prstGeom>
+          <a:ln>
+            <a:tailEnd type="triangle"/>
+          </a:ln>
+        </p:spPr>
+        <p:style>
+          <a:lnRef idx="1">
+            <a:schemeClr val="accent1"/>
+          </a:lnRef>
+          <a:fillRef idx="0">
+            <a:schemeClr val="accent1"/>
+          </a:fillRef>
+          <a:effectRef idx="0">
+            <a:schemeClr val="accent1"/>
+          </a:effectRef>
+          <a:fontRef idx="minor">
+            <a:schemeClr val="tx1"/>
+          </a:fontRef>
+        </p:style>
+      </p:cxnSp>
+    </p:spTree>
+    <p:extLst>
+      <p:ext uri="{BB962C8B-B14F-4D97-AF65-F5344CB8AC3E}">
+        <p14:creationId xmlns:p14="http://schemas.microsoft.com/office/powerpoint/2010/main" val="3597589706"/>
+      </p:ext>
+    </p:extLst>
+  </p:cSld>
+  <p:clrMapOvr>
+    <a:masterClrMapping/>
+  </p:clrMapOvr>
+</p:sld>
+</file>
+
 <file path=ppt/theme/theme1.xml><?xml version="1.0" encoding="utf-8"?>
 <a:theme xmlns:a="http://schemas.openxmlformats.org/drawingml/2006/main" name="Office Theme">
   <a:themeElements>
